--- a/FFPM/FFPM 451.pptx
+++ b/FFPM/FFPM 451.pptx
@@ -110,6 +110,22 @@
       </a:defRPr>
     </a:lvl9pPr>
   </p:defaultTextStyle>
+  <p:extLst>
+    <p:ext uri="{EFAFB233-063F-42B5-8137-9DF3F51BA10A}">
+      <p15:sldGuideLst xmlns:p15="http://schemas.microsoft.com/office/powerpoint/2012/main">
+        <p15:guide id="1" orient="horz" pos="1620">
+          <p15:clr>
+            <a:srgbClr val="A4A3A4"/>
+          </p15:clr>
+        </p15:guide>
+        <p15:guide id="2" pos="2880">
+          <p15:clr>
+            <a:srgbClr val="A4A3A4"/>
+          </p15:clr>
+        </p15:guide>
+      </p15:sldGuideLst>
+    </p:ext>
+  </p:extLst>
 </p:presentation>
 </file>
 
@@ -294,7 +310,7 @@
           <a:p>
             <a:fld id="{F236D5A7-7C0F-42A5-8901-BD3FB7AB6F9E}" type="datetimeFigureOut">
               <a:rPr lang="fr-FR" smtClean="0"/>
-              <a:t>28/10/2014</a:t>
+              <a:t>02/11/2025</a:t>
             </a:fld>
             <a:endParaRPr lang="fr-FR"/>
           </a:p>
@@ -459,7 +475,7 @@
           <a:p>
             <a:fld id="{F236D5A7-7C0F-42A5-8901-BD3FB7AB6F9E}" type="datetimeFigureOut">
               <a:rPr lang="fr-FR" smtClean="0"/>
-              <a:t>28/10/2014</a:t>
+              <a:t>02/11/2025</a:t>
             </a:fld>
             <a:endParaRPr lang="fr-FR"/>
           </a:p>
@@ -634,7 +650,7 @@
           <a:p>
             <a:fld id="{F236D5A7-7C0F-42A5-8901-BD3FB7AB6F9E}" type="datetimeFigureOut">
               <a:rPr lang="fr-FR" smtClean="0"/>
-              <a:t>28/10/2014</a:t>
+              <a:t>02/11/2025</a:t>
             </a:fld>
             <a:endParaRPr lang="fr-FR"/>
           </a:p>
@@ -799,7 +815,7 @@
           <a:p>
             <a:fld id="{F236D5A7-7C0F-42A5-8901-BD3FB7AB6F9E}" type="datetimeFigureOut">
               <a:rPr lang="fr-FR" smtClean="0"/>
-              <a:t>28/10/2014</a:t>
+              <a:t>02/11/2025</a:t>
             </a:fld>
             <a:endParaRPr lang="fr-FR"/>
           </a:p>
@@ -1040,7 +1056,7 @@
           <a:p>
             <a:fld id="{F236D5A7-7C0F-42A5-8901-BD3FB7AB6F9E}" type="datetimeFigureOut">
               <a:rPr lang="fr-FR" smtClean="0"/>
-              <a:t>28/10/2014</a:t>
+              <a:t>02/11/2025</a:t>
             </a:fld>
             <a:endParaRPr lang="fr-FR"/>
           </a:p>
@@ -1323,7 +1339,7 @@
           <a:p>
             <a:fld id="{F236D5A7-7C0F-42A5-8901-BD3FB7AB6F9E}" type="datetimeFigureOut">
               <a:rPr lang="fr-FR" smtClean="0"/>
-              <a:t>28/10/2014</a:t>
+              <a:t>02/11/2025</a:t>
             </a:fld>
             <a:endParaRPr lang="fr-FR"/>
           </a:p>
@@ -1740,7 +1756,7 @@
           <a:p>
             <a:fld id="{F236D5A7-7C0F-42A5-8901-BD3FB7AB6F9E}" type="datetimeFigureOut">
               <a:rPr lang="fr-FR" smtClean="0"/>
-              <a:t>28/10/2014</a:t>
+              <a:t>02/11/2025</a:t>
             </a:fld>
             <a:endParaRPr lang="fr-FR"/>
           </a:p>
@@ -1853,7 +1869,7 @@
           <a:p>
             <a:fld id="{F236D5A7-7C0F-42A5-8901-BD3FB7AB6F9E}" type="datetimeFigureOut">
               <a:rPr lang="fr-FR" smtClean="0"/>
-              <a:t>28/10/2014</a:t>
+              <a:t>02/11/2025</a:t>
             </a:fld>
             <a:endParaRPr lang="fr-FR"/>
           </a:p>
@@ -1943,7 +1959,7 @@
           <a:p>
             <a:fld id="{F236D5A7-7C0F-42A5-8901-BD3FB7AB6F9E}" type="datetimeFigureOut">
               <a:rPr lang="fr-FR" smtClean="0"/>
-              <a:t>28/10/2014</a:t>
+              <a:t>02/11/2025</a:t>
             </a:fld>
             <a:endParaRPr lang="fr-FR"/>
           </a:p>
@@ -2215,7 +2231,7 @@
           <a:p>
             <a:fld id="{F236D5A7-7C0F-42A5-8901-BD3FB7AB6F9E}" type="datetimeFigureOut">
               <a:rPr lang="fr-FR" smtClean="0"/>
-              <a:t>28/10/2014</a:t>
+              <a:t>02/11/2025</a:t>
             </a:fld>
             <a:endParaRPr lang="fr-FR"/>
           </a:p>
@@ -2463,7 +2479,7 @@
           <a:p>
             <a:fld id="{F236D5A7-7C0F-42A5-8901-BD3FB7AB6F9E}" type="datetimeFigureOut">
               <a:rPr lang="fr-FR" smtClean="0"/>
-              <a:t>28/10/2014</a:t>
+              <a:t>02/11/2025</a:t>
             </a:fld>
             <a:endParaRPr lang="fr-FR"/>
           </a:p>
@@ -2671,7 +2687,7 @@
           <a:p>
             <a:fld id="{F236D5A7-7C0F-42A5-8901-BD3FB7AB6F9E}" type="datetimeFigureOut">
               <a:rPr lang="fr-FR" smtClean="0"/>
-              <a:t>28/10/2014</a:t>
+              <a:t>02/11/2025</a:t>
             </a:fld>
             <a:endParaRPr lang="fr-FR"/>
           </a:p>
@@ -3745,6 +3761,13 @@
   <p:clrMapOvr>
     <a:masterClrMapping/>
   </p:clrMapOvr>
+  <p:timing>
+    <p:tnLst>
+      <p:par>
+        <p:cTn id="1" dur="indefinite" restart="never" nodeType="tmRoot"/>
+      </p:par>
+    </p:tnLst>
+  </p:timing>
 </p:sld>
 </file>
 
@@ -3822,7 +3845,9 @@
             <a:r>
               <a:rPr lang="en-GB" sz="3800" b="1" dirty="0" err="1">
                 <a:solidFill>
-                  <a:srgbClr val="0070C0"/>
+                  <a:schemeClr val="tx2">
+                    <a:lumMod val="50000"/>
+                  </a:schemeClr>
                 </a:solidFill>
               </a:rPr>
               <a:t>Tompo</a:t>
@@ -3830,7 +3855,9 @@
             <a:r>
               <a:rPr lang="en-GB" sz="3800" b="1" dirty="0">
                 <a:solidFill>
-                  <a:srgbClr val="0070C0"/>
+                  <a:schemeClr val="tx2">
+                    <a:lumMod val="50000"/>
+                  </a:schemeClr>
                 </a:solidFill>
               </a:rPr>
               <a:t> ô ! </a:t>
@@ -3838,7 +3865,9 @@
             <a:r>
               <a:rPr lang="en-GB" sz="3800" b="1" dirty="0" err="1">
                 <a:solidFill>
-                  <a:srgbClr val="0070C0"/>
+                  <a:schemeClr val="tx2">
+                    <a:lumMod val="50000"/>
+                  </a:schemeClr>
                 </a:solidFill>
               </a:rPr>
               <a:t>dia</a:t>
@@ -3846,7 +3875,9 @@
             <a:r>
               <a:rPr lang="en-GB" sz="3800" b="1" dirty="0">
                 <a:solidFill>
-                  <a:srgbClr val="0070C0"/>
+                  <a:schemeClr val="tx2">
+                    <a:lumMod val="50000"/>
+                  </a:schemeClr>
                 </a:solidFill>
               </a:rPr>
               <a:t> </a:t>
@@ -3854,7 +3885,9 @@
             <a:r>
               <a:rPr lang="en-GB" sz="3800" b="1" dirty="0" err="1">
                 <a:solidFill>
-                  <a:srgbClr val="0070C0"/>
+                  <a:schemeClr val="tx2">
+                    <a:lumMod val="50000"/>
+                  </a:schemeClr>
                 </a:solidFill>
               </a:rPr>
               <a:t>resinao</a:t>
@@ -3862,7 +3895,9 @@
             <a:r>
               <a:rPr lang="en-GB" sz="3800" b="1" dirty="0">
                 <a:solidFill>
-                  <a:srgbClr val="0070C0"/>
+                  <a:schemeClr val="tx2">
+                    <a:lumMod val="50000"/>
+                  </a:schemeClr>
                 </a:solidFill>
               </a:rPr>
               <a:t> </a:t>
@@ -3870,7 +3905,9 @@
             <a:r>
               <a:rPr lang="en-GB" sz="3800" b="1" dirty="0" err="1" smtClean="0">
                 <a:solidFill>
-                  <a:srgbClr val="0070C0"/>
+                  <a:schemeClr val="tx2">
+                    <a:lumMod val="50000"/>
+                  </a:schemeClr>
                 </a:solidFill>
               </a:rPr>
               <a:t>ny</a:t>
@@ -3878,7 +3915,9 @@
             <a:r>
               <a:rPr lang="fr-FR" sz="3800" b="1" dirty="0">
                 <a:solidFill>
-                  <a:srgbClr val="0070C0"/>
+                  <a:schemeClr val="tx2">
+                    <a:lumMod val="50000"/>
+                  </a:schemeClr>
                 </a:solidFill>
               </a:rPr>
               <a:t> </a:t>
@@ -3886,7 +3925,9 @@
             <a:r>
               <a:rPr lang="en-GB" sz="3800" b="1" dirty="0" err="1" smtClean="0">
                 <a:solidFill>
-                  <a:srgbClr val="0070C0"/>
+                  <a:schemeClr val="tx2">
+                    <a:lumMod val="50000"/>
+                  </a:schemeClr>
                 </a:solidFill>
               </a:rPr>
               <a:t>foko</a:t>
@@ -3894,7 +3935,9 @@
             <a:r>
               <a:rPr lang="en-GB" sz="3800" b="1" dirty="0" smtClean="0">
                 <a:solidFill>
-                  <a:srgbClr val="0070C0"/>
+                  <a:schemeClr val="tx2">
+                    <a:lumMod val="50000"/>
+                  </a:schemeClr>
                 </a:solidFill>
               </a:rPr>
               <a:t> </a:t>
@@ -3902,7 +3945,9 @@
             <a:r>
               <a:rPr lang="en-GB" sz="3800" b="1" i="1" dirty="0" err="1">
                 <a:solidFill>
-                  <a:srgbClr val="0070C0"/>
+                  <a:schemeClr val="tx2">
+                    <a:lumMod val="50000"/>
+                  </a:schemeClr>
                 </a:solidFill>
               </a:rPr>
               <a:t>i</a:t>
@@ -3910,7 +3955,9 @@
             <a:r>
               <a:rPr lang="en-GB" sz="3800" b="1" dirty="0" err="1">
                 <a:solidFill>
-                  <a:srgbClr val="0070C0"/>
+                  <a:schemeClr val="tx2">
+                    <a:lumMod val="50000"/>
+                  </a:schemeClr>
                 </a:solidFill>
               </a:rPr>
               <a:t>lay</a:t>
@@ -3918,7 +3965,9 @@
             <a:r>
               <a:rPr lang="en-GB" sz="3800" b="1" dirty="0">
                 <a:solidFill>
-                  <a:srgbClr val="0070C0"/>
+                  <a:schemeClr val="tx2">
+                    <a:lumMod val="50000"/>
+                  </a:schemeClr>
                 </a:solidFill>
               </a:rPr>
               <a:t> </a:t>
@@ -3926,7 +3975,9 @@
             <a:r>
               <a:rPr lang="en-GB" sz="3800" b="1" dirty="0" err="1">
                 <a:solidFill>
-                  <a:srgbClr val="0070C0"/>
+                  <a:schemeClr val="tx2">
+                    <a:lumMod val="50000"/>
+                  </a:schemeClr>
                 </a:solidFill>
               </a:rPr>
               <a:t>nandà</a:t>
@@ -3934,7 +3985,9 @@
             <a:r>
               <a:rPr lang="en-GB" sz="3800" b="1" dirty="0">
                 <a:solidFill>
-                  <a:srgbClr val="0070C0"/>
+                  <a:schemeClr val="tx2">
+                    <a:lumMod val="50000"/>
+                  </a:schemeClr>
                 </a:solidFill>
               </a:rPr>
               <a:t>,</a:t>
@@ -3942,7 +3995,9 @@
             <a:r>
               <a:rPr lang="fr-FR" sz="3800" b="1" dirty="0">
                 <a:solidFill>
-                  <a:srgbClr val="0070C0"/>
+                  <a:schemeClr val="tx2">
+                    <a:lumMod val="50000"/>
+                  </a:schemeClr>
                 </a:solidFill>
               </a:rPr>
               <a:t/>
@@ -3950,14 +4005,18 @@
             <a:br>
               <a:rPr lang="fr-FR" sz="3800" b="1" dirty="0">
                 <a:solidFill>
-                  <a:srgbClr val="0070C0"/>
+                  <a:schemeClr val="tx2">
+                    <a:lumMod val="50000"/>
+                  </a:schemeClr>
                 </a:solidFill>
               </a:rPr>
             </a:br>
             <a:r>
               <a:rPr lang="en-GB" sz="3800" b="1" dirty="0" err="1" smtClean="0">
                 <a:solidFill>
-                  <a:srgbClr val="0070C0"/>
+                  <a:schemeClr val="tx2">
+                    <a:lumMod val="50000"/>
+                  </a:schemeClr>
                 </a:solidFill>
               </a:rPr>
               <a:t>Voababonao</a:t>
@@ -3965,7 +4024,9 @@
             <a:r>
               <a:rPr lang="en-GB" sz="3800" b="1" dirty="0" smtClean="0">
                 <a:solidFill>
-                  <a:srgbClr val="0070C0"/>
+                  <a:schemeClr val="tx2">
+                    <a:lumMod val="50000"/>
+                  </a:schemeClr>
                 </a:solidFill>
               </a:rPr>
               <a:t> </a:t>
@@ -3973,7 +4034,9 @@
             <a:r>
               <a:rPr lang="en-GB" sz="3800" b="1" dirty="0" err="1">
                 <a:solidFill>
-                  <a:srgbClr val="0070C0"/>
+                  <a:schemeClr val="tx2">
+                    <a:lumMod val="50000"/>
+                  </a:schemeClr>
                 </a:solidFill>
               </a:rPr>
               <a:t>tokoa</a:t>
@@ -3981,7 +4044,9 @@
             <a:r>
               <a:rPr lang="en-GB" sz="3800" b="1" dirty="0">
                 <a:solidFill>
-                  <a:srgbClr val="0070C0"/>
+                  <a:schemeClr val="tx2">
+                    <a:lumMod val="50000"/>
+                  </a:schemeClr>
                 </a:solidFill>
               </a:rPr>
               <a:t> </a:t>
@@ -3989,7 +4054,9 @@
             <a:r>
               <a:rPr lang="en-GB" sz="3800" b="1" dirty="0" err="1">
                 <a:solidFill>
-                  <a:srgbClr val="0070C0"/>
+                  <a:schemeClr val="tx2">
+                    <a:lumMod val="50000"/>
+                  </a:schemeClr>
                 </a:solidFill>
               </a:rPr>
               <a:t>tokoa</a:t>
@@ -3997,7 +4064,9 @@
             <a:r>
               <a:rPr lang="en-GB" sz="3800" b="1" dirty="0">
                 <a:solidFill>
-                  <a:srgbClr val="0070C0"/>
+                  <a:schemeClr val="tx2">
+                    <a:lumMod val="50000"/>
+                  </a:schemeClr>
                 </a:solidFill>
               </a:rPr>
               <a:t> ;</a:t>
@@ -4005,7 +4074,9 @@
             <a:r>
               <a:rPr lang="fr-FR" sz="3800" b="1" dirty="0">
                 <a:solidFill>
-                  <a:srgbClr val="0070C0"/>
+                  <a:schemeClr val="tx2">
+                    <a:lumMod val="50000"/>
+                  </a:schemeClr>
                 </a:solidFill>
               </a:rPr>
               <a:t/>
@@ -4013,14 +4084,18 @@
             <a:br>
               <a:rPr lang="fr-FR" sz="3800" b="1" dirty="0">
                 <a:solidFill>
-                  <a:srgbClr val="0070C0"/>
+                  <a:schemeClr val="tx2">
+                    <a:lumMod val="50000"/>
+                  </a:schemeClr>
                 </a:solidFill>
               </a:rPr>
             </a:br>
             <a:r>
               <a:rPr lang="de-DE" sz="3800" b="1" dirty="0" smtClean="0">
                 <a:solidFill>
-                  <a:srgbClr val="0070C0"/>
+                  <a:schemeClr val="tx2">
+                    <a:lumMod val="50000"/>
+                  </a:schemeClr>
                 </a:solidFill>
               </a:rPr>
               <a:t>Ka </a:t>
@@ -4028,7 +4103,9 @@
             <a:r>
               <a:rPr lang="de-DE" sz="3800" b="1" dirty="0" err="1" smtClean="0">
                 <a:solidFill>
-                  <a:srgbClr val="0070C0"/>
+                  <a:schemeClr val="tx2">
+                    <a:lumMod val="50000"/>
+                  </a:schemeClr>
                 </a:solidFill>
               </a:rPr>
               <a:t>nasandratrao</a:t>
@@ -4036,7 +4113,9 @@
             <a:r>
               <a:rPr lang="de-DE" sz="3800" b="1" dirty="0" smtClean="0">
                 <a:solidFill>
-                  <a:srgbClr val="0070C0"/>
+                  <a:schemeClr val="tx2">
+                    <a:lumMod val="50000"/>
+                  </a:schemeClr>
                 </a:solidFill>
               </a:rPr>
               <a:t> ho </a:t>
@@ -4044,7 +4123,9 @@
             <a:r>
               <a:rPr lang="de-DE" sz="3800" b="1" dirty="0" err="1" smtClean="0">
                 <a:solidFill>
-                  <a:srgbClr val="0070C0"/>
+                  <a:schemeClr val="tx2">
+                    <a:lumMod val="50000"/>
+                  </a:schemeClr>
                 </a:solidFill>
               </a:rPr>
               <a:t>Zanak</a:t>
@@ -4052,7 +4133,9 @@
             <a:r>
               <a:rPr lang="de-DE" sz="3800" b="1" dirty="0" smtClean="0">
                 <a:solidFill>
-                  <a:srgbClr val="0070C0"/>
+                  <a:schemeClr val="tx2">
+                    <a:lumMod val="50000"/>
+                  </a:schemeClr>
                 </a:solidFill>
               </a:rPr>
               <a:t>’</a:t>
@@ -4060,7 +4143,9 @@
             <a:r>
               <a:rPr lang="fr-FR" sz="3800" b="1" dirty="0">
                 <a:solidFill>
-                  <a:srgbClr val="0070C0"/>
+                  <a:schemeClr val="tx2">
+                    <a:lumMod val="50000"/>
+                  </a:schemeClr>
                 </a:solidFill>
               </a:rPr>
               <a:t> </a:t>
@@ -4068,7 +4153,9 @@
             <a:r>
               <a:rPr lang="de-DE" sz="3800" b="1" dirty="0" err="1" smtClean="0">
                 <a:solidFill>
-                  <a:srgbClr val="0070C0"/>
+                  <a:schemeClr val="tx2">
+                    <a:lumMod val="50000"/>
+                  </a:schemeClr>
                 </a:solidFill>
               </a:rPr>
               <a:t>Andriamanitra</a:t>
@@ -4076,7 +4163,9 @@
             <a:r>
               <a:rPr lang="de-DE" sz="3800" b="1" dirty="0" smtClean="0">
                 <a:solidFill>
-                  <a:srgbClr val="0070C0"/>
+                  <a:schemeClr val="tx2">
+                    <a:lumMod val="50000"/>
+                  </a:schemeClr>
                 </a:solidFill>
               </a:rPr>
               <a:t>,</a:t>
@@ -4084,7 +4173,9 @@
             <a:r>
               <a:rPr lang="fr-FR" sz="3800" b="1" dirty="0" smtClean="0">
                 <a:solidFill>
-                  <a:srgbClr val="0070C0"/>
+                  <a:schemeClr val="tx2">
+                    <a:lumMod val="50000"/>
+                  </a:schemeClr>
                 </a:solidFill>
               </a:rPr>
               <a:t/>
@@ -4092,14 +4183,18 @@
             <a:br>
               <a:rPr lang="fr-FR" sz="3800" b="1" dirty="0" smtClean="0">
                 <a:solidFill>
-                  <a:srgbClr val="0070C0"/>
+                  <a:schemeClr val="tx2">
+                    <a:lumMod val="50000"/>
+                  </a:schemeClr>
                 </a:solidFill>
               </a:rPr>
             </a:br>
             <a:r>
               <a:rPr lang="en-GB" sz="3800" b="1" dirty="0" err="1" smtClean="0">
                 <a:solidFill>
-                  <a:srgbClr val="0070C0"/>
+                  <a:schemeClr val="tx2">
+                    <a:lumMod val="50000"/>
+                  </a:schemeClr>
                 </a:solidFill>
               </a:rPr>
               <a:t>Hotarihinao</a:t>
@@ -4107,7 +4202,9 @@
             <a:r>
               <a:rPr lang="en-GB" sz="3800" b="1" dirty="0" smtClean="0">
                 <a:solidFill>
-                  <a:srgbClr val="0070C0"/>
+                  <a:schemeClr val="tx2">
+                    <a:lumMod val="50000"/>
+                  </a:schemeClr>
                 </a:solidFill>
               </a:rPr>
               <a:t> an-</a:t>
@@ -4115,7 +4212,9 @@
             <a:r>
               <a:rPr lang="en-GB" sz="3800" b="1" dirty="0" err="1" smtClean="0">
                 <a:solidFill>
-                  <a:srgbClr val="0070C0"/>
+                  <a:schemeClr val="tx2">
+                    <a:lumMod val="50000"/>
+                  </a:schemeClr>
                 </a:solidFill>
               </a:rPr>
               <a:t>danitra</a:t>
@@ -4123,7 +4222,9 @@
             <a:r>
               <a:rPr lang="en-GB" sz="3800" b="1" dirty="0" smtClean="0">
                 <a:solidFill>
-                  <a:srgbClr val="0070C0"/>
+                  <a:schemeClr val="tx2">
+                    <a:lumMod val="50000"/>
+                  </a:schemeClr>
                 </a:solidFill>
               </a:rPr>
               <a:t>.</a:t>
@@ -4131,7 +4232,9 @@
             <a:r>
               <a:rPr lang="fr-FR" sz="3800" b="1" dirty="0" smtClean="0">
                 <a:solidFill>
-                  <a:srgbClr val="0070C0"/>
+                  <a:schemeClr val="tx2">
+                    <a:lumMod val="50000"/>
+                  </a:schemeClr>
                 </a:solidFill>
               </a:rPr>
               <a:t/>
@@ -4139,14 +4242,18 @@
             <a:br>
               <a:rPr lang="fr-FR" sz="3800" b="1" dirty="0" smtClean="0">
                 <a:solidFill>
-                  <a:srgbClr val="0070C0"/>
+                  <a:schemeClr val="tx2">
+                    <a:lumMod val="50000"/>
+                  </a:schemeClr>
                 </a:solidFill>
               </a:rPr>
             </a:br>
             <a:r>
               <a:rPr lang="en-GB" sz="3800" b="1" dirty="0" err="1" smtClean="0">
                 <a:solidFill>
-                  <a:srgbClr val="0070C0"/>
+                  <a:schemeClr val="tx2">
+                    <a:lumMod val="50000"/>
+                  </a:schemeClr>
                 </a:solidFill>
               </a:rPr>
               <a:t>Mamy</a:t>
@@ -4154,7 +4261,9 @@
             <a:r>
               <a:rPr lang="en-GB" sz="3800" b="1" dirty="0" smtClean="0">
                 <a:solidFill>
-                  <a:srgbClr val="0070C0"/>
+                  <a:schemeClr val="tx2">
+                    <a:lumMod val="50000"/>
+                  </a:schemeClr>
                 </a:solidFill>
               </a:rPr>
               <a:t> </a:t>
@@ -4162,7 +4271,9 @@
             <a:r>
               <a:rPr lang="en-GB" sz="3800" b="1" dirty="0" err="1" smtClean="0">
                 <a:solidFill>
-                  <a:srgbClr val="0070C0"/>
+                  <a:schemeClr val="tx2">
+                    <a:lumMod val="50000"/>
+                  </a:schemeClr>
                 </a:solidFill>
               </a:rPr>
               <a:t>dia</a:t>
@@ -4170,7 +4281,9 @@
             <a:r>
               <a:rPr lang="en-GB" sz="3800" b="1" dirty="0" smtClean="0">
                 <a:solidFill>
-                  <a:srgbClr val="0070C0"/>
+                  <a:schemeClr val="tx2">
+                    <a:lumMod val="50000"/>
+                  </a:schemeClr>
                 </a:solidFill>
               </a:rPr>
               <a:t> </a:t>
@@ -4178,7 +4291,9 @@
             <a:r>
               <a:rPr lang="en-GB" sz="3800" b="1" dirty="0" err="1" smtClean="0">
                 <a:solidFill>
-                  <a:srgbClr val="0070C0"/>
+                  <a:schemeClr val="tx2">
+                    <a:lumMod val="50000"/>
+                  </a:schemeClr>
                 </a:solidFill>
               </a:rPr>
               <a:t>mamy</a:t>
@@ -4186,7 +4301,9 @@
             <a:r>
               <a:rPr lang="en-GB" sz="3800" b="1" dirty="0" smtClean="0">
                 <a:solidFill>
-                  <a:srgbClr val="0070C0"/>
+                  <a:schemeClr val="tx2">
+                    <a:lumMod val="50000"/>
+                  </a:schemeClr>
                 </a:solidFill>
               </a:rPr>
               <a:t> re, </a:t>
@@ -4194,7 +4311,9 @@
             <a:r>
               <a:rPr lang="en-GB" sz="3800" b="1" dirty="0" err="1" smtClean="0">
                 <a:solidFill>
-                  <a:srgbClr val="0070C0"/>
+                  <a:schemeClr val="tx2">
+                    <a:lumMod val="50000"/>
+                  </a:schemeClr>
                 </a:solidFill>
               </a:rPr>
               <a:t>tsaroan’ny</a:t>
@@ -4202,7 +4321,9 @@
             <a:r>
               <a:rPr lang="en-GB" sz="3800" b="1" dirty="0" smtClean="0">
                 <a:solidFill>
-                  <a:srgbClr val="0070C0"/>
+                  <a:schemeClr val="tx2">
+                    <a:lumMod val="50000"/>
+                  </a:schemeClr>
                 </a:solidFill>
               </a:rPr>
               <a:t> </a:t>
@@ -4210,7 +4331,9 @@
             <a:r>
               <a:rPr lang="en-GB" sz="3800" b="1" dirty="0" err="1" smtClean="0">
                 <a:solidFill>
-                  <a:srgbClr val="0070C0"/>
+                  <a:schemeClr val="tx2">
+                    <a:lumMod val="50000"/>
+                  </a:schemeClr>
                 </a:solidFill>
               </a:rPr>
               <a:t>aiko</a:t>
@@ -4218,7 +4341,9 @@
             <a:r>
               <a:rPr lang="en-GB" sz="3800" b="1" dirty="0" smtClean="0">
                 <a:solidFill>
-                  <a:srgbClr val="0070C0"/>
+                  <a:schemeClr val="tx2">
+                    <a:lumMod val="50000"/>
+                  </a:schemeClr>
                 </a:solidFill>
               </a:rPr>
               <a:t> </a:t>
@@ -4226,7 +4351,9 @@
             <a:r>
               <a:rPr lang="en-GB" sz="3800" b="1" dirty="0" err="1" smtClean="0">
                 <a:solidFill>
-                  <a:srgbClr val="0070C0"/>
+                  <a:schemeClr val="tx2">
+                    <a:lumMod val="50000"/>
+                  </a:schemeClr>
                 </a:solidFill>
               </a:rPr>
               <a:t>izao</a:t>
@@ -4234,7 +4361,9 @@
             <a:r>
               <a:rPr lang="fr-FR" sz="3800" b="1" dirty="0" smtClean="0">
                 <a:solidFill>
-                  <a:srgbClr val="0070C0"/>
+                  <a:schemeClr val="tx2">
+                    <a:lumMod val="50000"/>
+                  </a:schemeClr>
                 </a:solidFill>
               </a:rPr>
               <a:t/>
@@ -4242,14 +4371,18 @@
             <a:br>
               <a:rPr lang="fr-FR" sz="3800" b="1" dirty="0" smtClean="0">
                 <a:solidFill>
-                  <a:srgbClr val="0070C0"/>
+                  <a:schemeClr val="tx2">
+                    <a:lumMod val="50000"/>
+                  </a:schemeClr>
                 </a:solidFill>
               </a:rPr>
             </a:br>
             <a:r>
               <a:rPr lang="en-GB" sz="3800" b="1" i="1" dirty="0" err="1" smtClean="0">
                 <a:solidFill>
-                  <a:srgbClr val="0070C0"/>
+                  <a:schemeClr val="tx2">
+                    <a:lumMod val="50000"/>
+                  </a:schemeClr>
                 </a:solidFill>
               </a:rPr>
               <a:t>I</a:t>
@@ -4257,7 +4390,9 @@
             <a:r>
               <a:rPr lang="en-GB" sz="3800" b="1" dirty="0" err="1" smtClean="0">
                 <a:solidFill>
-                  <a:srgbClr val="0070C0"/>
+                  <a:schemeClr val="tx2">
+                    <a:lumMod val="50000"/>
+                  </a:schemeClr>
                 </a:solidFill>
               </a:rPr>
               <a:t>zany</a:t>
@@ -4265,7 +4400,9 @@
             <a:r>
               <a:rPr lang="en-GB" sz="3800" b="1" dirty="0" smtClean="0">
                 <a:solidFill>
-                  <a:srgbClr val="0070C0"/>
+                  <a:schemeClr val="tx2">
+                    <a:lumMod val="50000"/>
+                  </a:schemeClr>
                 </a:solidFill>
               </a:rPr>
               <a:t> </a:t>
@@ -4273,7 +4410,9 @@
             <a:r>
               <a:rPr lang="en-GB" sz="3800" b="1" dirty="0" err="1" smtClean="0">
                 <a:solidFill>
-                  <a:srgbClr val="0070C0"/>
+                  <a:schemeClr val="tx2">
+                    <a:lumMod val="50000"/>
+                  </a:schemeClr>
                 </a:solidFill>
               </a:rPr>
               <a:t>fitiavanao</a:t>
@@ -4281,7 +4420,9 @@
             <a:r>
               <a:rPr lang="en-GB" sz="3800" b="1" dirty="0" smtClean="0">
                 <a:solidFill>
-                  <a:srgbClr val="0070C0"/>
+                  <a:schemeClr val="tx2">
+                    <a:lumMod val="50000"/>
+                  </a:schemeClr>
                 </a:solidFill>
               </a:rPr>
               <a:t>, </a:t>
@@ -4289,7 +4430,9 @@
             <a:r>
               <a:rPr lang="en-GB" sz="3800" b="1" dirty="0" err="1" smtClean="0">
                 <a:solidFill>
-                  <a:srgbClr val="0070C0"/>
+                  <a:schemeClr val="tx2">
+                    <a:lumMod val="50000"/>
+                  </a:schemeClr>
                 </a:solidFill>
               </a:rPr>
               <a:t>ry</a:t>
@@ -4297,7 +4440,9 @@
             <a:r>
               <a:rPr lang="en-GB" sz="3800" b="1" dirty="0" smtClean="0">
                 <a:solidFill>
-                  <a:srgbClr val="0070C0"/>
+                  <a:schemeClr val="tx2">
+                    <a:lumMod val="50000"/>
+                  </a:schemeClr>
                 </a:solidFill>
               </a:rPr>
               <a:t> </a:t>
@@ -4305,7 +4450,9 @@
             <a:r>
               <a:rPr lang="en-GB" sz="3800" b="1" dirty="0" err="1" smtClean="0">
                 <a:solidFill>
-                  <a:srgbClr val="0070C0"/>
+                  <a:schemeClr val="tx2">
+                    <a:lumMod val="50000"/>
+                  </a:schemeClr>
                 </a:solidFill>
               </a:rPr>
               <a:t>Jeso</a:t>
@@ -4313,14 +4460,18 @@
             <a:r>
               <a:rPr lang="en-GB" sz="3800" b="1" dirty="0" smtClean="0">
                 <a:solidFill>
-                  <a:srgbClr val="0070C0"/>
+                  <a:schemeClr val="tx2">
+                    <a:lumMod val="50000"/>
+                  </a:schemeClr>
                 </a:solidFill>
               </a:rPr>
               <a:t> ô !</a:t>
             </a:r>
             <a:endParaRPr lang="fr-FR" sz="3800" b="1" dirty="0">
               <a:solidFill>
-                <a:srgbClr val="0070C0"/>
+                <a:schemeClr val="tx2">
+                  <a:lumMod val="50000"/>
+                </a:schemeClr>
               </a:solidFill>
             </a:endParaRPr>
           </a:p>
@@ -4331,6 +4482,13 @@
   <p:clrMapOvr>
     <a:masterClrMapping/>
   </p:clrMapOvr>
+  <p:timing>
+    <p:tnLst>
+      <p:par>
+        <p:cTn id="1" dur="indefinite" restart="never" nodeType="tmRoot"/>
+      </p:par>
+    </p:tnLst>
+  </p:timing>
 </p:sld>
 </file>
 
@@ -4879,6 +5037,13 @@
   <p:clrMapOvr>
     <a:masterClrMapping/>
   </p:clrMapOvr>
+  <p:timing>
+    <p:tnLst>
+      <p:par>
+        <p:cTn id="1" dur="indefinite" restart="never" nodeType="tmRoot"/>
+      </p:par>
+    </p:tnLst>
+  </p:timing>
 </p:sld>
 </file>
 
@@ -4956,7 +5121,9 @@
             <a:r>
               <a:rPr lang="en-GB" sz="3800" b="1" dirty="0" err="1">
                 <a:solidFill>
-                  <a:srgbClr val="0070C0"/>
+                  <a:schemeClr val="tx2">
+                    <a:lumMod val="50000"/>
+                  </a:schemeClr>
                 </a:solidFill>
               </a:rPr>
               <a:t>Tompo</a:t>
@@ -4964,7 +5131,9 @@
             <a:r>
               <a:rPr lang="en-GB" sz="3800" b="1" dirty="0">
                 <a:solidFill>
-                  <a:srgbClr val="0070C0"/>
+                  <a:schemeClr val="tx2">
+                    <a:lumMod val="50000"/>
+                  </a:schemeClr>
                 </a:solidFill>
               </a:rPr>
               <a:t> ô ! </a:t>
@@ -4972,7 +5141,9 @@
             <a:r>
               <a:rPr lang="en-GB" sz="3800" b="1" dirty="0" err="1">
                 <a:solidFill>
-                  <a:srgbClr val="0070C0"/>
+                  <a:schemeClr val="tx2">
+                    <a:lumMod val="50000"/>
+                  </a:schemeClr>
                 </a:solidFill>
               </a:rPr>
               <a:t>dia</a:t>
@@ -4980,7 +5151,9 @@
             <a:r>
               <a:rPr lang="en-GB" sz="3800" b="1" dirty="0">
                 <a:solidFill>
-                  <a:srgbClr val="0070C0"/>
+                  <a:schemeClr val="tx2">
+                    <a:lumMod val="50000"/>
+                  </a:schemeClr>
                 </a:solidFill>
               </a:rPr>
               <a:t> </a:t>
@@ -4988,7 +5161,9 @@
             <a:r>
               <a:rPr lang="en-GB" sz="3800" b="1" dirty="0" err="1">
                 <a:solidFill>
-                  <a:srgbClr val="0070C0"/>
+                  <a:schemeClr val="tx2">
+                    <a:lumMod val="50000"/>
+                  </a:schemeClr>
                 </a:solidFill>
               </a:rPr>
               <a:t>resinao</a:t>
@@ -4996,7 +5171,9 @@
             <a:r>
               <a:rPr lang="en-GB" sz="3800" b="1" dirty="0">
                 <a:solidFill>
-                  <a:srgbClr val="0070C0"/>
+                  <a:schemeClr val="tx2">
+                    <a:lumMod val="50000"/>
+                  </a:schemeClr>
                 </a:solidFill>
               </a:rPr>
               <a:t> </a:t>
@@ -5004,7 +5181,9 @@
             <a:r>
               <a:rPr lang="en-GB" sz="3800" b="1" dirty="0" err="1" smtClean="0">
                 <a:solidFill>
-                  <a:srgbClr val="0070C0"/>
+                  <a:schemeClr val="tx2">
+                    <a:lumMod val="50000"/>
+                  </a:schemeClr>
                 </a:solidFill>
               </a:rPr>
               <a:t>ny</a:t>
@@ -5012,7 +5191,9 @@
             <a:r>
               <a:rPr lang="fr-FR" sz="3800" b="1" dirty="0">
                 <a:solidFill>
-                  <a:srgbClr val="0070C0"/>
+                  <a:schemeClr val="tx2">
+                    <a:lumMod val="50000"/>
+                  </a:schemeClr>
                 </a:solidFill>
               </a:rPr>
               <a:t> </a:t>
@@ -5020,7 +5201,9 @@
             <a:r>
               <a:rPr lang="en-GB" sz="3800" b="1" dirty="0" err="1" smtClean="0">
                 <a:solidFill>
-                  <a:srgbClr val="0070C0"/>
+                  <a:schemeClr val="tx2">
+                    <a:lumMod val="50000"/>
+                  </a:schemeClr>
                 </a:solidFill>
               </a:rPr>
               <a:t>foko</a:t>
@@ -5028,7 +5211,9 @@
             <a:r>
               <a:rPr lang="en-GB" sz="3800" b="1" dirty="0" smtClean="0">
                 <a:solidFill>
-                  <a:srgbClr val="0070C0"/>
+                  <a:schemeClr val="tx2">
+                    <a:lumMod val="50000"/>
+                  </a:schemeClr>
                 </a:solidFill>
               </a:rPr>
               <a:t> </a:t>
@@ -5036,7 +5221,9 @@
             <a:r>
               <a:rPr lang="en-GB" sz="3800" b="1" i="1" dirty="0" err="1">
                 <a:solidFill>
-                  <a:srgbClr val="0070C0"/>
+                  <a:schemeClr val="tx2">
+                    <a:lumMod val="50000"/>
+                  </a:schemeClr>
                 </a:solidFill>
               </a:rPr>
               <a:t>i</a:t>
@@ -5044,7 +5231,9 @@
             <a:r>
               <a:rPr lang="en-GB" sz="3800" b="1" dirty="0" err="1">
                 <a:solidFill>
-                  <a:srgbClr val="0070C0"/>
+                  <a:schemeClr val="tx2">
+                    <a:lumMod val="50000"/>
+                  </a:schemeClr>
                 </a:solidFill>
               </a:rPr>
               <a:t>lay</a:t>
@@ -5052,7 +5241,9 @@
             <a:r>
               <a:rPr lang="en-GB" sz="3800" b="1" dirty="0">
                 <a:solidFill>
-                  <a:srgbClr val="0070C0"/>
+                  <a:schemeClr val="tx2">
+                    <a:lumMod val="50000"/>
+                  </a:schemeClr>
                 </a:solidFill>
               </a:rPr>
               <a:t> </a:t>
@@ -5060,7 +5251,9 @@
             <a:r>
               <a:rPr lang="en-GB" sz="3800" b="1" dirty="0" err="1">
                 <a:solidFill>
-                  <a:srgbClr val="0070C0"/>
+                  <a:schemeClr val="tx2">
+                    <a:lumMod val="50000"/>
+                  </a:schemeClr>
                 </a:solidFill>
               </a:rPr>
               <a:t>nandà</a:t>
@@ -5068,7 +5261,9 @@
             <a:r>
               <a:rPr lang="en-GB" sz="3800" b="1" dirty="0">
                 <a:solidFill>
-                  <a:srgbClr val="0070C0"/>
+                  <a:schemeClr val="tx2">
+                    <a:lumMod val="50000"/>
+                  </a:schemeClr>
                 </a:solidFill>
               </a:rPr>
               <a:t>,</a:t>
@@ -5076,7 +5271,9 @@
             <a:r>
               <a:rPr lang="fr-FR" sz="3800" b="1" dirty="0">
                 <a:solidFill>
-                  <a:srgbClr val="0070C0"/>
+                  <a:schemeClr val="tx2">
+                    <a:lumMod val="50000"/>
+                  </a:schemeClr>
                 </a:solidFill>
               </a:rPr>
               <a:t/>
@@ -5084,14 +5281,18 @@
             <a:br>
               <a:rPr lang="fr-FR" sz="3800" b="1" dirty="0">
                 <a:solidFill>
-                  <a:srgbClr val="0070C0"/>
+                  <a:schemeClr val="tx2">
+                    <a:lumMod val="50000"/>
+                  </a:schemeClr>
                 </a:solidFill>
               </a:rPr>
             </a:br>
             <a:r>
               <a:rPr lang="en-GB" sz="3800" b="1" dirty="0" err="1" smtClean="0">
                 <a:solidFill>
-                  <a:srgbClr val="0070C0"/>
+                  <a:schemeClr val="tx2">
+                    <a:lumMod val="50000"/>
+                  </a:schemeClr>
                 </a:solidFill>
               </a:rPr>
               <a:t>Voababonao</a:t>
@@ -5099,7 +5300,9 @@
             <a:r>
               <a:rPr lang="en-GB" sz="3800" b="1" dirty="0" smtClean="0">
                 <a:solidFill>
-                  <a:srgbClr val="0070C0"/>
+                  <a:schemeClr val="tx2">
+                    <a:lumMod val="50000"/>
+                  </a:schemeClr>
                 </a:solidFill>
               </a:rPr>
               <a:t> </a:t>
@@ -5107,7 +5310,9 @@
             <a:r>
               <a:rPr lang="en-GB" sz="3800" b="1" dirty="0" err="1">
                 <a:solidFill>
-                  <a:srgbClr val="0070C0"/>
+                  <a:schemeClr val="tx2">
+                    <a:lumMod val="50000"/>
+                  </a:schemeClr>
                 </a:solidFill>
               </a:rPr>
               <a:t>tokoa</a:t>
@@ -5115,7 +5320,9 @@
             <a:r>
               <a:rPr lang="en-GB" sz="3800" b="1" dirty="0">
                 <a:solidFill>
-                  <a:srgbClr val="0070C0"/>
+                  <a:schemeClr val="tx2">
+                    <a:lumMod val="50000"/>
+                  </a:schemeClr>
                 </a:solidFill>
               </a:rPr>
               <a:t> </a:t>
@@ -5123,7 +5330,9 @@
             <a:r>
               <a:rPr lang="en-GB" sz="3800" b="1" dirty="0" err="1">
                 <a:solidFill>
-                  <a:srgbClr val="0070C0"/>
+                  <a:schemeClr val="tx2">
+                    <a:lumMod val="50000"/>
+                  </a:schemeClr>
                 </a:solidFill>
               </a:rPr>
               <a:t>tokoa</a:t>
@@ -5131,7 +5340,9 @@
             <a:r>
               <a:rPr lang="en-GB" sz="3800" b="1" dirty="0">
                 <a:solidFill>
-                  <a:srgbClr val="0070C0"/>
+                  <a:schemeClr val="tx2">
+                    <a:lumMod val="50000"/>
+                  </a:schemeClr>
                 </a:solidFill>
               </a:rPr>
               <a:t> ;</a:t>
@@ -5139,7 +5350,9 @@
             <a:r>
               <a:rPr lang="fr-FR" sz="3800" b="1" dirty="0">
                 <a:solidFill>
-                  <a:srgbClr val="0070C0"/>
+                  <a:schemeClr val="tx2">
+                    <a:lumMod val="50000"/>
+                  </a:schemeClr>
                 </a:solidFill>
               </a:rPr>
               <a:t/>
@@ -5147,14 +5360,18 @@
             <a:br>
               <a:rPr lang="fr-FR" sz="3800" b="1" dirty="0">
                 <a:solidFill>
-                  <a:srgbClr val="0070C0"/>
+                  <a:schemeClr val="tx2">
+                    <a:lumMod val="50000"/>
+                  </a:schemeClr>
                 </a:solidFill>
               </a:rPr>
             </a:br>
             <a:r>
               <a:rPr lang="de-DE" sz="3800" b="1" dirty="0" smtClean="0">
                 <a:solidFill>
-                  <a:srgbClr val="0070C0"/>
+                  <a:schemeClr val="tx2">
+                    <a:lumMod val="50000"/>
+                  </a:schemeClr>
                 </a:solidFill>
               </a:rPr>
               <a:t>Ka </a:t>
@@ -5162,7 +5379,9 @@
             <a:r>
               <a:rPr lang="de-DE" sz="3800" b="1" dirty="0" err="1" smtClean="0">
                 <a:solidFill>
-                  <a:srgbClr val="0070C0"/>
+                  <a:schemeClr val="tx2">
+                    <a:lumMod val="50000"/>
+                  </a:schemeClr>
                 </a:solidFill>
               </a:rPr>
               <a:t>nasandratrao</a:t>
@@ -5170,7 +5389,9 @@
             <a:r>
               <a:rPr lang="de-DE" sz="3800" b="1" dirty="0" smtClean="0">
                 <a:solidFill>
-                  <a:srgbClr val="0070C0"/>
+                  <a:schemeClr val="tx2">
+                    <a:lumMod val="50000"/>
+                  </a:schemeClr>
                 </a:solidFill>
               </a:rPr>
               <a:t> ho </a:t>
@@ -5178,7 +5399,9 @@
             <a:r>
               <a:rPr lang="de-DE" sz="3800" b="1" dirty="0" err="1" smtClean="0">
                 <a:solidFill>
-                  <a:srgbClr val="0070C0"/>
+                  <a:schemeClr val="tx2">
+                    <a:lumMod val="50000"/>
+                  </a:schemeClr>
                 </a:solidFill>
               </a:rPr>
               <a:t>Zanak</a:t>
@@ -5186,7 +5409,9 @@
             <a:r>
               <a:rPr lang="de-DE" sz="3800" b="1" dirty="0" smtClean="0">
                 <a:solidFill>
-                  <a:srgbClr val="0070C0"/>
+                  <a:schemeClr val="tx2">
+                    <a:lumMod val="50000"/>
+                  </a:schemeClr>
                 </a:solidFill>
               </a:rPr>
               <a:t>’</a:t>
@@ -5194,7 +5419,9 @@
             <a:r>
               <a:rPr lang="fr-FR" sz="3800" b="1" dirty="0">
                 <a:solidFill>
-                  <a:srgbClr val="0070C0"/>
+                  <a:schemeClr val="tx2">
+                    <a:lumMod val="50000"/>
+                  </a:schemeClr>
                 </a:solidFill>
               </a:rPr>
               <a:t> </a:t>
@@ -5202,7 +5429,9 @@
             <a:r>
               <a:rPr lang="de-DE" sz="3800" b="1" dirty="0" err="1" smtClean="0">
                 <a:solidFill>
-                  <a:srgbClr val="0070C0"/>
+                  <a:schemeClr val="tx2">
+                    <a:lumMod val="50000"/>
+                  </a:schemeClr>
                 </a:solidFill>
               </a:rPr>
               <a:t>Andriamanitra</a:t>
@@ -5210,7 +5439,9 @@
             <a:r>
               <a:rPr lang="de-DE" sz="3800" b="1" dirty="0" smtClean="0">
                 <a:solidFill>
-                  <a:srgbClr val="0070C0"/>
+                  <a:schemeClr val="tx2">
+                    <a:lumMod val="50000"/>
+                  </a:schemeClr>
                 </a:solidFill>
               </a:rPr>
               <a:t>,</a:t>
@@ -5218,7 +5449,9 @@
             <a:r>
               <a:rPr lang="fr-FR" sz="3800" b="1" dirty="0" smtClean="0">
                 <a:solidFill>
-                  <a:srgbClr val="0070C0"/>
+                  <a:schemeClr val="tx2">
+                    <a:lumMod val="50000"/>
+                  </a:schemeClr>
                 </a:solidFill>
               </a:rPr>
               <a:t/>
@@ -5226,14 +5459,18 @@
             <a:br>
               <a:rPr lang="fr-FR" sz="3800" b="1" dirty="0" smtClean="0">
                 <a:solidFill>
-                  <a:srgbClr val="0070C0"/>
+                  <a:schemeClr val="tx2">
+                    <a:lumMod val="50000"/>
+                  </a:schemeClr>
                 </a:solidFill>
               </a:rPr>
             </a:br>
             <a:r>
               <a:rPr lang="en-GB" sz="3800" b="1" dirty="0" err="1" smtClean="0">
                 <a:solidFill>
-                  <a:srgbClr val="0070C0"/>
+                  <a:schemeClr val="tx2">
+                    <a:lumMod val="50000"/>
+                  </a:schemeClr>
                 </a:solidFill>
               </a:rPr>
               <a:t>Hotarihinao</a:t>
@@ -5241,7 +5478,9 @@
             <a:r>
               <a:rPr lang="en-GB" sz="3800" b="1" dirty="0" smtClean="0">
                 <a:solidFill>
-                  <a:srgbClr val="0070C0"/>
+                  <a:schemeClr val="tx2">
+                    <a:lumMod val="50000"/>
+                  </a:schemeClr>
                 </a:solidFill>
               </a:rPr>
               <a:t> an-</a:t>
@@ -5249,7 +5488,9 @@
             <a:r>
               <a:rPr lang="en-GB" sz="3800" b="1" dirty="0" err="1" smtClean="0">
                 <a:solidFill>
-                  <a:srgbClr val="0070C0"/>
+                  <a:schemeClr val="tx2">
+                    <a:lumMod val="50000"/>
+                  </a:schemeClr>
                 </a:solidFill>
               </a:rPr>
               <a:t>danitra</a:t>
@@ -5257,7 +5498,9 @@
             <a:r>
               <a:rPr lang="en-GB" sz="3800" b="1" dirty="0" smtClean="0">
                 <a:solidFill>
-                  <a:srgbClr val="0070C0"/>
+                  <a:schemeClr val="tx2">
+                    <a:lumMod val="50000"/>
+                  </a:schemeClr>
                 </a:solidFill>
               </a:rPr>
               <a:t>.</a:t>
@@ -5265,7 +5508,9 @@
             <a:r>
               <a:rPr lang="fr-FR" sz="3800" b="1" dirty="0" smtClean="0">
                 <a:solidFill>
-                  <a:srgbClr val="0070C0"/>
+                  <a:schemeClr val="tx2">
+                    <a:lumMod val="50000"/>
+                  </a:schemeClr>
                 </a:solidFill>
               </a:rPr>
               <a:t/>
@@ -5273,14 +5518,18 @@
             <a:br>
               <a:rPr lang="fr-FR" sz="3800" b="1" dirty="0" smtClean="0">
                 <a:solidFill>
-                  <a:srgbClr val="0070C0"/>
+                  <a:schemeClr val="tx2">
+                    <a:lumMod val="50000"/>
+                  </a:schemeClr>
                 </a:solidFill>
               </a:rPr>
             </a:br>
             <a:r>
               <a:rPr lang="en-GB" sz="3800" b="1" dirty="0" err="1" smtClean="0">
                 <a:solidFill>
-                  <a:srgbClr val="0070C0"/>
+                  <a:schemeClr val="tx2">
+                    <a:lumMod val="50000"/>
+                  </a:schemeClr>
                 </a:solidFill>
               </a:rPr>
               <a:t>Mamy</a:t>
@@ -5288,7 +5537,9 @@
             <a:r>
               <a:rPr lang="en-GB" sz="3800" b="1" dirty="0" smtClean="0">
                 <a:solidFill>
-                  <a:srgbClr val="0070C0"/>
+                  <a:schemeClr val="tx2">
+                    <a:lumMod val="50000"/>
+                  </a:schemeClr>
                 </a:solidFill>
               </a:rPr>
               <a:t> </a:t>
@@ -5296,7 +5547,9 @@
             <a:r>
               <a:rPr lang="en-GB" sz="3800" b="1" dirty="0" err="1" smtClean="0">
                 <a:solidFill>
-                  <a:srgbClr val="0070C0"/>
+                  <a:schemeClr val="tx2">
+                    <a:lumMod val="50000"/>
+                  </a:schemeClr>
                 </a:solidFill>
               </a:rPr>
               <a:t>dia</a:t>
@@ -5304,7 +5557,9 @@
             <a:r>
               <a:rPr lang="en-GB" sz="3800" b="1" dirty="0" smtClean="0">
                 <a:solidFill>
-                  <a:srgbClr val="0070C0"/>
+                  <a:schemeClr val="tx2">
+                    <a:lumMod val="50000"/>
+                  </a:schemeClr>
                 </a:solidFill>
               </a:rPr>
               <a:t> </a:t>
@@ -5312,7 +5567,9 @@
             <a:r>
               <a:rPr lang="en-GB" sz="3800" b="1" dirty="0" err="1" smtClean="0">
                 <a:solidFill>
-                  <a:srgbClr val="0070C0"/>
+                  <a:schemeClr val="tx2">
+                    <a:lumMod val="50000"/>
+                  </a:schemeClr>
                 </a:solidFill>
               </a:rPr>
               <a:t>mamy</a:t>
@@ -5320,7 +5577,9 @@
             <a:r>
               <a:rPr lang="en-GB" sz="3800" b="1" dirty="0" smtClean="0">
                 <a:solidFill>
-                  <a:srgbClr val="0070C0"/>
+                  <a:schemeClr val="tx2">
+                    <a:lumMod val="50000"/>
+                  </a:schemeClr>
                 </a:solidFill>
               </a:rPr>
               <a:t> re, </a:t>
@@ -5328,7 +5587,9 @@
             <a:r>
               <a:rPr lang="en-GB" sz="3800" b="1" dirty="0" err="1" smtClean="0">
                 <a:solidFill>
-                  <a:srgbClr val="0070C0"/>
+                  <a:schemeClr val="tx2">
+                    <a:lumMod val="50000"/>
+                  </a:schemeClr>
                 </a:solidFill>
               </a:rPr>
               <a:t>tsaroan’ny</a:t>
@@ -5336,7 +5597,9 @@
             <a:r>
               <a:rPr lang="en-GB" sz="3800" b="1" dirty="0" smtClean="0">
                 <a:solidFill>
-                  <a:srgbClr val="0070C0"/>
+                  <a:schemeClr val="tx2">
+                    <a:lumMod val="50000"/>
+                  </a:schemeClr>
                 </a:solidFill>
               </a:rPr>
               <a:t> </a:t>
@@ -5344,7 +5607,9 @@
             <a:r>
               <a:rPr lang="en-GB" sz="3800" b="1" dirty="0" err="1" smtClean="0">
                 <a:solidFill>
-                  <a:srgbClr val="0070C0"/>
+                  <a:schemeClr val="tx2">
+                    <a:lumMod val="50000"/>
+                  </a:schemeClr>
                 </a:solidFill>
               </a:rPr>
               <a:t>aiko</a:t>
@@ -5352,7 +5617,9 @@
             <a:r>
               <a:rPr lang="en-GB" sz="3800" b="1" dirty="0" smtClean="0">
                 <a:solidFill>
-                  <a:srgbClr val="0070C0"/>
+                  <a:schemeClr val="tx2">
+                    <a:lumMod val="50000"/>
+                  </a:schemeClr>
                 </a:solidFill>
               </a:rPr>
               <a:t> </a:t>
@@ -5360,7 +5627,9 @@
             <a:r>
               <a:rPr lang="en-GB" sz="3800" b="1" dirty="0" err="1" smtClean="0">
                 <a:solidFill>
-                  <a:srgbClr val="0070C0"/>
+                  <a:schemeClr val="tx2">
+                    <a:lumMod val="50000"/>
+                  </a:schemeClr>
                 </a:solidFill>
               </a:rPr>
               <a:t>izao</a:t>
@@ -5368,7 +5637,9 @@
             <a:r>
               <a:rPr lang="fr-FR" sz="3800" b="1" dirty="0" smtClean="0">
                 <a:solidFill>
-                  <a:srgbClr val="0070C0"/>
+                  <a:schemeClr val="tx2">
+                    <a:lumMod val="50000"/>
+                  </a:schemeClr>
                 </a:solidFill>
               </a:rPr>
               <a:t/>
@@ -5376,14 +5647,18 @@
             <a:br>
               <a:rPr lang="fr-FR" sz="3800" b="1" dirty="0" smtClean="0">
                 <a:solidFill>
-                  <a:srgbClr val="0070C0"/>
+                  <a:schemeClr val="tx2">
+                    <a:lumMod val="50000"/>
+                  </a:schemeClr>
                 </a:solidFill>
               </a:rPr>
             </a:br>
             <a:r>
               <a:rPr lang="en-GB" sz="3800" b="1" i="1" dirty="0" err="1" smtClean="0">
                 <a:solidFill>
-                  <a:srgbClr val="0070C0"/>
+                  <a:schemeClr val="tx2">
+                    <a:lumMod val="50000"/>
+                  </a:schemeClr>
                 </a:solidFill>
               </a:rPr>
               <a:t>I</a:t>
@@ -5391,7 +5666,9 @@
             <a:r>
               <a:rPr lang="en-GB" sz="3800" b="1" dirty="0" err="1" smtClean="0">
                 <a:solidFill>
-                  <a:srgbClr val="0070C0"/>
+                  <a:schemeClr val="tx2">
+                    <a:lumMod val="50000"/>
+                  </a:schemeClr>
                 </a:solidFill>
               </a:rPr>
               <a:t>zany</a:t>
@@ -5399,7 +5676,9 @@
             <a:r>
               <a:rPr lang="en-GB" sz="3800" b="1" dirty="0" smtClean="0">
                 <a:solidFill>
-                  <a:srgbClr val="0070C0"/>
+                  <a:schemeClr val="tx2">
+                    <a:lumMod val="50000"/>
+                  </a:schemeClr>
                 </a:solidFill>
               </a:rPr>
               <a:t> </a:t>
@@ -5407,7 +5686,9 @@
             <a:r>
               <a:rPr lang="en-GB" sz="3800" b="1" dirty="0" err="1" smtClean="0">
                 <a:solidFill>
-                  <a:srgbClr val="0070C0"/>
+                  <a:schemeClr val="tx2">
+                    <a:lumMod val="50000"/>
+                  </a:schemeClr>
                 </a:solidFill>
               </a:rPr>
               <a:t>fitiavanao</a:t>
@@ -5415,7 +5696,9 @@
             <a:r>
               <a:rPr lang="en-GB" sz="3800" b="1" dirty="0" smtClean="0">
                 <a:solidFill>
-                  <a:srgbClr val="0070C0"/>
+                  <a:schemeClr val="tx2">
+                    <a:lumMod val="50000"/>
+                  </a:schemeClr>
                 </a:solidFill>
               </a:rPr>
               <a:t>, </a:t>
@@ -5423,7 +5706,9 @@
             <a:r>
               <a:rPr lang="en-GB" sz="3800" b="1" dirty="0" err="1" smtClean="0">
                 <a:solidFill>
-                  <a:srgbClr val="0070C0"/>
+                  <a:schemeClr val="tx2">
+                    <a:lumMod val="50000"/>
+                  </a:schemeClr>
                 </a:solidFill>
               </a:rPr>
               <a:t>ry</a:t>
@@ -5431,7 +5716,9 @@
             <a:r>
               <a:rPr lang="en-GB" sz="3800" b="1" dirty="0" smtClean="0">
                 <a:solidFill>
-                  <a:srgbClr val="0070C0"/>
+                  <a:schemeClr val="tx2">
+                    <a:lumMod val="50000"/>
+                  </a:schemeClr>
                 </a:solidFill>
               </a:rPr>
               <a:t> </a:t>
@@ -5439,7 +5726,9 @@
             <a:r>
               <a:rPr lang="en-GB" sz="3800" b="1" dirty="0" err="1" smtClean="0">
                 <a:solidFill>
-                  <a:srgbClr val="0070C0"/>
+                  <a:schemeClr val="tx2">
+                    <a:lumMod val="50000"/>
+                  </a:schemeClr>
                 </a:solidFill>
               </a:rPr>
               <a:t>Jeso</a:t>
@@ -5447,14 +5736,18 @@
             <a:r>
               <a:rPr lang="en-GB" sz="3800" b="1" dirty="0" smtClean="0">
                 <a:solidFill>
-                  <a:srgbClr val="0070C0"/>
+                  <a:schemeClr val="tx2">
+                    <a:lumMod val="50000"/>
+                  </a:schemeClr>
                 </a:solidFill>
               </a:rPr>
               <a:t> ô !</a:t>
             </a:r>
             <a:endParaRPr lang="fr-FR" sz="3800" b="1" dirty="0">
               <a:solidFill>
-                <a:srgbClr val="0070C0"/>
+                <a:schemeClr val="tx2">
+                  <a:lumMod val="50000"/>
+                </a:schemeClr>
               </a:solidFill>
             </a:endParaRPr>
           </a:p>
@@ -6040,7 +6333,9 @@
             <a:r>
               <a:rPr lang="en-GB" sz="3800" b="1" dirty="0" err="1">
                 <a:solidFill>
-                  <a:srgbClr val="0070C0"/>
+                  <a:schemeClr val="tx2">
+                    <a:lumMod val="50000"/>
+                  </a:schemeClr>
                 </a:solidFill>
               </a:rPr>
               <a:t>Tompo</a:t>
@@ -6048,7 +6343,9 @@
             <a:r>
               <a:rPr lang="en-GB" sz="3800" b="1" dirty="0">
                 <a:solidFill>
-                  <a:srgbClr val="0070C0"/>
+                  <a:schemeClr val="tx2">
+                    <a:lumMod val="50000"/>
+                  </a:schemeClr>
                 </a:solidFill>
               </a:rPr>
               <a:t> ô ! </a:t>
@@ -6056,7 +6353,9 @@
             <a:r>
               <a:rPr lang="en-GB" sz="3800" b="1" dirty="0" err="1">
                 <a:solidFill>
-                  <a:srgbClr val="0070C0"/>
+                  <a:schemeClr val="tx2">
+                    <a:lumMod val="50000"/>
+                  </a:schemeClr>
                 </a:solidFill>
               </a:rPr>
               <a:t>dia</a:t>
@@ -6064,7 +6363,9 @@
             <a:r>
               <a:rPr lang="en-GB" sz="3800" b="1" dirty="0">
                 <a:solidFill>
-                  <a:srgbClr val="0070C0"/>
+                  <a:schemeClr val="tx2">
+                    <a:lumMod val="50000"/>
+                  </a:schemeClr>
                 </a:solidFill>
               </a:rPr>
               <a:t> </a:t>
@@ -6072,7 +6373,9 @@
             <a:r>
               <a:rPr lang="en-GB" sz="3800" b="1" dirty="0" err="1">
                 <a:solidFill>
-                  <a:srgbClr val="0070C0"/>
+                  <a:schemeClr val="tx2">
+                    <a:lumMod val="50000"/>
+                  </a:schemeClr>
                 </a:solidFill>
               </a:rPr>
               <a:t>resinao</a:t>
@@ -6080,7 +6383,9 @@
             <a:r>
               <a:rPr lang="en-GB" sz="3800" b="1" dirty="0">
                 <a:solidFill>
-                  <a:srgbClr val="0070C0"/>
+                  <a:schemeClr val="tx2">
+                    <a:lumMod val="50000"/>
+                  </a:schemeClr>
                 </a:solidFill>
               </a:rPr>
               <a:t> </a:t>
@@ -6088,7 +6393,9 @@
             <a:r>
               <a:rPr lang="en-GB" sz="3800" b="1" dirty="0" err="1" smtClean="0">
                 <a:solidFill>
-                  <a:srgbClr val="0070C0"/>
+                  <a:schemeClr val="tx2">
+                    <a:lumMod val="50000"/>
+                  </a:schemeClr>
                 </a:solidFill>
               </a:rPr>
               <a:t>ny</a:t>
@@ -6096,7 +6403,9 @@
             <a:r>
               <a:rPr lang="fr-FR" sz="3800" b="1" dirty="0">
                 <a:solidFill>
-                  <a:srgbClr val="0070C0"/>
+                  <a:schemeClr val="tx2">
+                    <a:lumMod val="50000"/>
+                  </a:schemeClr>
                 </a:solidFill>
               </a:rPr>
               <a:t> </a:t>
@@ -6104,7 +6413,9 @@
             <a:r>
               <a:rPr lang="en-GB" sz="3800" b="1" dirty="0" err="1" smtClean="0">
                 <a:solidFill>
-                  <a:srgbClr val="0070C0"/>
+                  <a:schemeClr val="tx2">
+                    <a:lumMod val="50000"/>
+                  </a:schemeClr>
                 </a:solidFill>
               </a:rPr>
               <a:t>foko</a:t>
@@ -6112,7 +6423,9 @@
             <a:r>
               <a:rPr lang="en-GB" sz="3800" b="1" dirty="0" smtClean="0">
                 <a:solidFill>
-                  <a:srgbClr val="0070C0"/>
+                  <a:schemeClr val="tx2">
+                    <a:lumMod val="50000"/>
+                  </a:schemeClr>
                 </a:solidFill>
               </a:rPr>
               <a:t> </a:t>
@@ -6120,7 +6433,9 @@
             <a:r>
               <a:rPr lang="en-GB" sz="3800" b="1" i="1" dirty="0" err="1">
                 <a:solidFill>
-                  <a:srgbClr val="0070C0"/>
+                  <a:schemeClr val="tx2">
+                    <a:lumMod val="50000"/>
+                  </a:schemeClr>
                 </a:solidFill>
               </a:rPr>
               <a:t>i</a:t>
@@ -6128,7 +6443,9 @@
             <a:r>
               <a:rPr lang="en-GB" sz="3800" b="1" dirty="0" err="1">
                 <a:solidFill>
-                  <a:srgbClr val="0070C0"/>
+                  <a:schemeClr val="tx2">
+                    <a:lumMod val="50000"/>
+                  </a:schemeClr>
                 </a:solidFill>
               </a:rPr>
               <a:t>lay</a:t>
@@ -6136,7 +6453,9 @@
             <a:r>
               <a:rPr lang="en-GB" sz="3800" b="1" dirty="0">
                 <a:solidFill>
-                  <a:srgbClr val="0070C0"/>
+                  <a:schemeClr val="tx2">
+                    <a:lumMod val="50000"/>
+                  </a:schemeClr>
                 </a:solidFill>
               </a:rPr>
               <a:t> </a:t>
@@ -6144,7 +6463,9 @@
             <a:r>
               <a:rPr lang="en-GB" sz="3800" b="1" dirty="0" err="1">
                 <a:solidFill>
-                  <a:srgbClr val="0070C0"/>
+                  <a:schemeClr val="tx2">
+                    <a:lumMod val="50000"/>
+                  </a:schemeClr>
                 </a:solidFill>
               </a:rPr>
               <a:t>nandà</a:t>
@@ -6152,7 +6473,9 @@
             <a:r>
               <a:rPr lang="en-GB" sz="3800" b="1" dirty="0">
                 <a:solidFill>
-                  <a:srgbClr val="0070C0"/>
+                  <a:schemeClr val="tx2">
+                    <a:lumMod val="50000"/>
+                  </a:schemeClr>
                 </a:solidFill>
               </a:rPr>
               <a:t>,</a:t>
@@ -6160,7 +6483,9 @@
             <a:r>
               <a:rPr lang="fr-FR" sz="3800" b="1" dirty="0">
                 <a:solidFill>
-                  <a:srgbClr val="0070C0"/>
+                  <a:schemeClr val="tx2">
+                    <a:lumMod val="50000"/>
+                  </a:schemeClr>
                 </a:solidFill>
               </a:rPr>
               <a:t/>
@@ -6168,14 +6493,18 @@
             <a:br>
               <a:rPr lang="fr-FR" sz="3800" b="1" dirty="0">
                 <a:solidFill>
-                  <a:srgbClr val="0070C0"/>
+                  <a:schemeClr val="tx2">
+                    <a:lumMod val="50000"/>
+                  </a:schemeClr>
                 </a:solidFill>
               </a:rPr>
             </a:br>
             <a:r>
               <a:rPr lang="en-GB" sz="3800" b="1" dirty="0" err="1" smtClean="0">
                 <a:solidFill>
-                  <a:srgbClr val="0070C0"/>
+                  <a:schemeClr val="tx2">
+                    <a:lumMod val="50000"/>
+                  </a:schemeClr>
                 </a:solidFill>
               </a:rPr>
               <a:t>Voababonao</a:t>
@@ -6183,7 +6512,9 @@
             <a:r>
               <a:rPr lang="en-GB" sz="3800" b="1" dirty="0" smtClean="0">
                 <a:solidFill>
-                  <a:srgbClr val="0070C0"/>
+                  <a:schemeClr val="tx2">
+                    <a:lumMod val="50000"/>
+                  </a:schemeClr>
                 </a:solidFill>
               </a:rPr>
               <a:t> </a:t>
@@ -6191,7 +6522,9 @@
             <a:r>
               <a:rPr lang="en-GB" sz="3800" b="1" dirty="0" err="1">
                 <a:solidFill>
-                  <a:srgbClr val="0070C0"/>
+                  <a:schemeClr val="tx2">
+                    <a:lumMod val="50000"/>
+                  </a:schemeClr>
                 </a:solidFill>
               </a:rPr>
               <a:t>tokoa</a:t>
@@ -6199,7 +6532,9 @@
             <a:r>
               <a:rPr lang="en-GB" sz="3800" b="1" dirty="0">
                 <a:solidFill>
-                  <a:srgbClr val="0070C0"/>
+                  <a:schemeClr val="tx2">
+                    <a:lumMod val="50000"/>
+                  </a:schemeClr>
                 </a:solidFill>
               </a:rPr>
               <a:t> </a:t>
@@ -6207,7 +6542,9 @@
             <a:r>
               <a:rPr lang="en-GB" sz="3800" b="1" dirty="0" err="1">
                 <a:solidFill>
-                  <a:srgbClr val="0070C0"/>
+                  <a:schemeClr val="tx2">
+                    <a:lumMod val="50000"/>
+                  </a:schemeClr>
                 </a:solidFill>
               </a:rPr>
               <a:t>tokoa</a:t>
@@ -6215,7 +6552,9 @@
             <a:r>
               <a:rPr lang="en-GB" sz="3800" b="1" dirty="0">
                 <a:solidFill>
-                  <a:srgbClr val="0070C0"/>
+                  <a:schemeClr val="tx2">
+                    <a:lumMod val="50000"/>
+                  </a:schemeClr>
                 </a:solidFill>
               </a:rPr>
               <a:t> ;</a:t>
@@ -6223,7 +6562,9 @@
             <a:r>
               <a:rPr lang="fr-FR" sz="3800" b="1" dirty="0">
                 <a:solidFill>
-                  <a:srgbClr val="0070C0"/>
+                  <a:schemeClr val="tx2">
+                    <a:lumMod val="50000"/>
+                  </a:schemeClr>
                 </a:solidFill>
               </a:rPr>
               <a:t/>
@@ -6231,14 +6572,18 @@
             <a:br>
               <a:rPr lang="fr-FR" sz="3800" b="1" dirty="0">
                 <a:solidFill>
-                  <a:srgbClr val="0070C0"/>
+                  <a:schemeClr val="tx2">
+                    <a:lumMod val="50000"/>
+                  </a:schemeClr>
                 </a:solidFill>
               </a:rPr>
             </a:br>
             <a:r>
               <a:rPr lang="de-DE" sz="3800" b="1" dirty="0" smtClean="0">
                 <a:solidFill>
-                  <a:srgbClr val="0070C0"/>
+                  <a:schemeClr val="tx2">
+                    <a:lumMod val="50000"/>
+                  </a:schemeClr>
                 </a:solidFill>
               </a:rPr>
               <a:t>Ka </a:t>
@@ -6246,7 +6591,9 @@
             <a:r>
               <a:rPr lang="de-DE" sz="3800" b="1" dirty="0" err="1" smtClean="0">
                 <a:solidFill>
-                  <a:srgbClr val="0070C0"/>
+                  <a:schemeClr val="tx2">
+                    <a:lumMod val="50000"/>
+                  </a:schemeClr>
                 </a:solidFill>
               </a:rPr>
               <a:t>nasandratrao</a:t>
@@ -6254,7 +6601,9 @@
             <a:r>
               <a:rPr lang="de-DE" sz="3800" b="1" dirty="0" smtClean="0">
                 <a:solidFill>
-                  <a:srgbClr val="0070C0"/>
+                  <a:schemeClr val="tx2">
+                    <a:lumMod val="50000"/>
+                  </a:schemeClr>
                 </a:solidFill>
               </a:rPr>
               <a:t> ho </a:t>
@@ -6262,7 +6611,9 @@
             <a:r>
               <a:rPr lang="de-DE" sz="3800" b="1" dirty="0" err="1" smtClean="0">
                 <a:solidFill>
-                  <a:srgbClr val="0070C0"/>
+                  <a:schemeClr val="tx2">
+                    <a:lumMod val="50000"/>
+                  </a:schemeClr>
                 </a:solidFill>
               </a:rPr>
               <a:t>Zanak</a:t>
@@ -6270,7 +6621,9 @@
             <a:r>
               <a:rPr lang="de-DE" sz="3800" b="1" dirty="0" smtClean="0">
                 <a:solidFill>
-                  <a:srgbClr val="0070C0"/>
+                  <a:schemeClr val="tx2">
+                    <a:lumMod val="50000"/>
+                  </a:schemeClr>
                 </a:solidFill>
               </a:rPr>
               <a:t>’</a:t>
@@ -6278,7 +6631,9 @@
             <a:r>
               <a:rPr lang="fr-FR" sz="3800" b="1" dirty="0">
                 <a:solidFill>
-                  <a:srgbClr val="0070C0"/>
+                  <a:schemeClr val="tx2">
+                    <a:lumMod val="50000"/>
+                  </a:schemeClr>
                 </a:solidFill>
               </a:rPr>
               <a:t> </a:t>
@@ -6286,7 +6641,9 @@
             <a:r>
               <a:rPr lang="de-DE" sz="3800" b="1" dirty="0" err="1" smtClean="0">
                 <a:solidFill>
-                  <a:srgbClr val="0070C0"/>
+                  <a:schemeClr val="tx2">
+                    <a:lumMod val="50000"/>
+                  </a:schemeClr>
                 </a:solidFill>
               </a:rPr>
               <a:t>Andriamanitra</a:t>
@@ -6294,7 +6651,9 @@
             <a:r>
               <a:rPr lang="de-DE" sz="3800" b="1" dirty="0" smtClean="0">
                 <a:solidFill>
-                  <a:srgbClr val="0070C0"/>
+                  <a:schemeClr val="tx2">
+                    <a:lumMod val="50000"/>
+                  </a:schemeClr>
                 </a:solidFill>
               </a:rPr>
               <a:t>,</a:t>
@@ -6302,7 +6661,9 @@
             <a:r>
               <a:rPr lang="fr-FR" sz="3800" b="1" dirty="0" smtClean="0">
                 <a:solidFill>
-                  <a:srgbClr val="0070C0"/>
+                  <a:schemeClr val="tx2">
+                    <a:lumMod val="50000"/>
+                  </a:schemeClr>
                 </a:solidFill>
               </a:rPr>
               <a:t/>
@@ -6310,14 +6671,18 @@
             <a:br>
               <a:rPr lang="fr-FR" sz="3800" b="1" dirty="0" smtClean="0">
                 <a:solidFill>
-                  <a:srgbClr val="0070C0"/>
+                  <a:schemeClr val="tx2">
+                    <a:lumMod val="50000"/>
+                  </a:schemeClr>
                 </a:solidFill>
               </a:rPr>
             </a:br>
             <a:r>
               <a:rPr lang="en-GB" sz="3800" b="1" dirty="0" err="1" smtClean="0">
                 <a:solidFill>
-                  <a:srgbClr val="0070C0"/>
+                  <a:schemeClr val="tx2">
+                    <a:lumMod val="50000"/>
+                  </a:schemeClr>
                 </a:solidFill>
               </a:rPr>
               <a:t>Hotarihinao</a:t>
@@ -6325,7 +6690,9 @@
             <a:r>
               <a:rPr lang="en-GB" sz="3800" b="1" dirty="0" smtClean="0">
                 <a:solidFill>
-                  <a:srgbClr val="0070C0"/>
+                  <a:schemeClr val="tx2">
+                    <a:lumMod val="50000"/>
+                  </a:schemeClr>
                 </a:solidFill>
               </a:rPr>
               <a:t> an-</a:t>
@@ -6333,7 +6700,9 @@
             <a:r>
               <a:rPr lang="en-GB" sz="3800" b="1" dirty="0" err="1" smtClean="0">
                 <a:solidFill>
-                  <a:srgbClr val="0070C0"/>
+                  <a:schemeClr val="tx2">
+                    <a:lumMod val="50000"/>
+                  </a:schemeClr>
                 </a:solidFill>
               </a:rPr>
               <a:t>danitra</a:t>
@@ -6341,7 +6710,9 @@
             <a:r>
               <a:rPr lang="en-GB" sz="3800" b="1" dirty="0" smtClean="0">
                 <a:solidFill>
-                  <a:srgbClr val="0070C0"/>
+                  <a:schemeClr val="tx2">
+                    <a:lumMod val="50000"/>
+                  </a:schemeClr>
                 </a:solidFill>
               </a:rPr>
               <a:t>.</a:t>
@@ -6349,7 +6720,9 @@
             <a:r>
               <a:rPr lang="fr-FR" sz="3800" b="1" dirty="0" smtClean="0">
                 <a:solidFill>
-                  <a:srgbClr val="0070C0"/>
+                  <a:schemeClr val="tx2">
+                    <a:lumMod val="50000"/>
+                  </a:schemeClr>
                 </a:solidFill>
               </a:rPr>
               <a:t/>
@@ -6357,14 +6730,18 @@
             <a:br>
               <a:rPr lang="fr-FR" sz="3800" b="1" dirty="0" smtClean="0">
                 <a:solidFill>
-                  <a:srgbClr val="0070C0"/>
+                  <a:schemeClr val="tx2">
+                    <a:lumMod val="50000"/>
+                  </a:schemeClr>
                 </a:solidFill>
               </a:rPr>
             </a:br>
             <a:r>
               <a:rPr lang="en-GB" sz="3800" b="1" dirty="0" err="1" smtClean="0">
                 <a:solidFill>
-                  <a:srgbClr val="0070C0"/>
+                  <a:schemeClr val="tx2">
+                    <a:lumMod val="50000"/>
+                  </a:schemeClr>
                 </a:solidFill>
               </a:rPr>
               <a:t>Mamy</a:t>
@@ -6372,7 +6749,9 @@
             <a:r>
               <a:rPr lang="en-GB" sz="3800" b="1" dirty="0" smtClean="0">
                 <a:solidFill>
-                  <a:srgbClr val="0070C0"/>
+                  <a:schemeClr val="tx2">
+                    <a:lumMod val="50000"/>
+                  </a:schemeClr>
                 </a:solidFill>
               </a:rPr>
               <a:t> </a:t>
@@ -6380,7 +6759,9 @@
             <a:r>
               <a:rPr lang="en-GB" sz="3800" b="1" dirty="0" err="1" smtClean="0">
                 <a:solidFill>
-                  <a:srgbClr val="0070C0"/>
+                  <a:schemeClr val="tx2">
+                    <a:lumMod val="50000"/>
+                  </a:schemeClr>
                 </a:solidFill>
               </a:rPr>
               <a:t>dia</a:t>
@@ -6388,7 +6769,9 @@
             <a:r>
               <a:rPr lang="en-GB" sz="3800" b="1" dirty="0" smtClean="0">
                 <a:solidFill>
-                  <a:srgbClr val="0070C0"/>
+                  <a:schemeClr val="tx2">
+                    <a:lumMod val="50000"/>
+                  </a:schemeClr>
                 </a:solidFill>
               </a:rPr>
               <a:t> </a:t>
@@ -6396,7 +6779,9 @@
             <a:r>
               <a:rPr lang="en-GB" sz="3800" b="1" dirty="0" err="1" smtClean="0">
                 <a:solidFill>
-                  <a:srgbClr val="0070C0"/>
+                  <a:schemeClr val="tx2">
+                    <a:lumMod val="50000"/>
+                  </a:schemeClr>
                 </a:solidFill>
               </a:rPr>
               <a:t>mamy</a:t>
@@ -6404,7 +6789,9 @@
             <a:r>
               <a:rPr lang="en-GB" sz="3800" b="1" dirty="0" smtClean="0">
                 <a:solidFill>
-                  <a:srgbClr val="0070C0"/>
+                  <a:schemeClr val="tx2">
+                    <a:lumMod val="50000"/>
+                  </a:schemeClr>
                 </a:solidFill>
               </a:rPr>
               <a:t> re, </a:t>
@@ -6412,7 +6799,9 @@
             <a:r>
               <a:rPr lang="en-GB" sz="3800" b="1" dirty="0" err="1" smtClean="0">
                 <a:solidFill>
-                  <a:srgbClr val="0070C0"/>
+                  <a:schemeClr val="tx2">
+                    <a:lumMod val="50000"/>
+                  </a:schemeClr>
                 </a:solidFill>
               </a:rPr>
               <a:t>tsaroan’ny</a:t>
@@ -6420,7 +6809,9 @@
             <a:r>
               <a:rPr lang="en-GB" sz="3800" b="1" dirty="0" smtClean="0">
                 <a:solidFill>
-                  <a:srgbClr val="0070C0"/>
+                  <a:schemeClr val="tx2">
+                    <a:lumMod val="50000"/>
+                  </a:schemeClr>
                 </a:solidFill>
               </a:rPr>
               <a:t> </a:t>
@@ -6428,7 +6819,9 @@
             <a:r>
               <a:rPr lang="en-GB" sz="3800" b="1" dirty="0" err="1" smtClean="0">
                 <a:solidFill>
-                  <a:srgbClr val="0070C0"/>
+                  <a:schemeClr val="tx2">
+                    <a:lumMod val="50000"/>
+                  </a:schemeClr>
                 </a:solidFill>
               </a:rPr>
               <a:t>aiko</a:t>
@@ -6436,7 +6829,9 @@
             <a:r>
               <a:rPr lang="en-GB" sz="3800" b="1" dirty="0" smtClean="0">
                 <a:solidFill>
-                  <a:srgbClr val="0070C0"/>
+                  <a:schemeClr val="tx2">
+                    <a:lumMod val="50000"/>
+                  </a:schemeClr>
                 </a:solidFill>
               </a:rPr>
               <a:t> </a:t>
@@ -6444,7 +6839,9 @@
             <a:r>
               <a:rPr lang="en-GB" sz="3800" b="1" dirty="0" err="1" smtClean="0">
                 <a:solidFill>
-                  <a:srgbClr val="0070C0"/>
+                  <a:schemeClr val="tx2">
+                    <a:lumMod val="50000"/>
+                  </a:schemeClr>
                 </a:solidFill>
               </a:rPr>
               <a:t>izao</a:t>
@@ -6452,7 +6849,9 @@
             <a:r>
               <a:rPr lang="fr-FR" sz="3800" b="1" dirty="0" smtClean="0">
                 <a:solidFill>
-                  <a:srgbClr val="0070C0"/>
+                  <a:schemeClr val="tx2">
+                    <a:lumMod val="50000"/>
+                  </a:schemeClr>
                 </a:solidFill>
               </a:rPr>
               <a:t/>
@@ -6460,14 +6859,18 @@
             <a:br>
               <a:rPr lang="fr-FR" sz="3800" b="1" dirty="0" smtClean="0">
                 <a:solidFill>
-                  <a:srgbClr val="0070C0"/>
+                  <a:schemeClr val="tx2">
+                    <a:lumMod val="50000"/>
+                  </a:schemeClr>
                 </a:solidFill>
               </a:rPr>
             </a:br>
             <a:r>
               <a:rPr lang="en-GB" sz="3800" b="1" i="1" dirty="0" err="1" smtClean="0">
                 <a:solidFill>
-                  <a:srgbClr val="0070C0"/>
+                  <a:schemeClr val="tx2">
+                    <a:lumMod val="50000"/>
+                  </a:schemeClr>
                 </a:solidFill>
               </a:rPr>
               <a:t>I</a:t>
@@ -6475,7 +6878,9 @@
             <a:r>
               <a:rPr lang="en-GB" sz="3800" b="1" dirty="0" err="1" smtClean="0">
                 <a:solidFill>
-                  <a:srgbClr val="0070C0"/>
+                  <a:schemeClr val="tx2">
+                    <a:lumMod val="50000"/>
+                  </a:schemeClr>
                 </a:solidFill>
               </a:rPr>
               <a:t>zany</a:t>
@@ -6483,7 +6888,9 @@
             <a:r>
               <a:rPr lang="en-GB" sz="3800" b="1" dirty="0" smtClean="0">
                 <a:solidFill>
-                  <a:srgbClr val="0070C0"/>
+                  <a:schemeClr val="tx2">
+                    <a:lumMod val="50000"/>
+                  </a:schemeClr>
                 </a:solidFill>
               </a:rPr>
               <a:t> </a:t>
@@ -6491,7 +6898,9 @@
             <a:r>
               <a:rPr lang="en-GB" sz="3800" b="1" dirty="0" err="1" smtClean="0">
                 <a:solidFill>
-                  <a:srgbClr val="0070C0"/>
+                  <a:schemeClr val="tx2">
+                    <a:lumMod val="50000"/>
+                  </a:schemeClr>
                 </a:solidFill>
               </a:rPr>
               <a:t>fitiavanao</a:t>
@@ -6499,7 +6908,9 @@
             <a:r>
               <a:rPr lang="en-GB" sz="3800" b="1" dirty="0" smtClean="0">
                 <a:solidFill>
-                  <a:srgbClr val="0070C0"/>
+                  <a:schemeClr val="tx2">
+                    <a:lumMod val="50000"/>
+                  </a:schemeClr>
                 </a:solidFill>
               </a:rPr>
               <a:t>, </a:t>
@@ -6507,7 +6918,9 @@
             <a:r>
               <a:rPr lang="en-GB" sz="3800" b="1" dirty="0" err="1" smtClean="0">
                 <a:solidFill>
-                  <a:srgbClr val="0070C0"/>
+                  <a:schemeClr val="tx2">
+                    <a:lumMod val="50000"/>
+                  </a:schemeClr>
                 </a:solidFill>
               </a:rPr>
               <a:t>ry</a:t>
@@ -6515,7 +6928,9 @@
             <a:r>
               <a:rPr lang="en-GB" sz="3800" b="1" dirty="0" smtClean="0">
                 <a:solidFill>
-                  <a:srgbClr val="0070C0"/>
+                  <a:schemeClr val="tx2">
+                    <a:lumMod val="50000"/>
+                  </a:schemeClr>
                 </a:solidFill>
               </a:rPr>
               <a:t> </a:t>
@@ -6523,7 +6938,9 @@
             <a:r>
               <a:rPr lang="en-GB" sz="3800" b="1" dirty="0" err="1" smtClean="0">
                 <a:solidFill>
-                  <a:srgbClr val="0070C0"/>
+                  <a:schemeClr val="tx2">
+                    <a:lumMod val="50000"/>
+                  </a:schemeClr>
                 </a:solidFill>
               </a:rPr>
               <a:t>Jeso</a:t>
@@ -6531,14 +6948,18 @@
             <a:r>
               <a:rPr lang="en-GB" sz="3800" b="1" dirty="0" smtClean="0">
                 <a:solidFill>
-                  <a:srgbClr val="0070C0"/>
+                  <a:schemeClr val="tx2">
+                    <a:lumMod val="50000"/>
+                  </a:schemeClr>
                 </a:solidFill>
               </a:rPr>
               <a:t> ô !</a:t>
             </a:r>
             <a:endParaRPr lang="fr-FR" sz="3800" b="1" dirty="0">
               <a:solidFill>
-                <a:srgbClr val="0070C0"/>
+                <a:schemeClr val="tx2">
+                  <a:lumMod val="50000"/>
+                </a:schemeClr>
               </a:solidFill>
             </a:endParaRPr>
           </a:p>
